--- a/图/第四章/paper/net/新建 PPTX 演示文稿.pptx
+++ b/图/第四章/paper/net/新建 PPTX 演示文稿.pptx
@@ -203,7 +203,7 @@
           <a:p>
             <a:fld id="{D2A48B96-639E-45A3-A0BA-2464DFDB1FAA}" type="datetimeFigureOut">
               <a:rPr lang="zh-CN" altLang="en-US" smtClean="0"/>
-              <a:t>2025/3/25</a:t>
+              <a:t>2025/3/26</a:t>
             </a:fld>
             <a:endParaRPr lang="zh-CN" altLang="en-US"/>
           </a:p>
@@ -772,7 +772,7 @@
           <a:p>
             <a:fld id="{D997B5FA-0921-464F-AAE1-844C04324D75}" type="datetimeFigureOut">
               <a:rPr lang="zh-CN" altLang="en-US" smtClean="0"/>
-              <a:t>2025/3/25</a:t>
+              <a:t>2025/3/26</a:t>
             </a:fld>
             <a:endParaRPr lang="zh-CN" altLang="en-US"/>
           </a:p>
@@ -935,7 +935,7 @@
           <a:p>
             <a:fld id="{D997B5FA-0921-464F-AAE1-844C04324D75}" type="datetimeFigureOut">
               <a:rPr lang="zh-CN" altLang="en-US" smtClean="0"/>
-              <a:t>2025/3/25</a:t>
+              <a:t>2025/3/26</a:t>
             </a:fld>
             <a:endParaRPr lang="zh-CN" altLang="en-US"/>
           </a:p>
@@ -1108,7 +1108,7 @@
           <a:p>
             <a:fld id="{D997B5FA-0921-464F-AAE1-844C04324D75}" type="datetimeFigureOut">
               <a:rPr lang="zh-CN" altLang="en-US" smtClean="0"/>
-              <a:t>2025/3/25</a:t>
+              <a:t>2025/3/26</a:t>
             </a:fld>
             <a:endParaRPr lang="zh-CN" altLang="en-US"/>
           </a:p>
@@ -1271,7 +1271,7 @@
           <a:p>
             <a:fld id="{D997B5FA-0921-464F-AAE1-844C04324D75}" type="datetimeFigureOut">
               <a:rPr lang="zh-CN" altLang="en-US" smtClean="0"/>
-              <a:t>2025/3/25</a:t>
+              <a:t>2025/3/26</a:t>
             </a:fld>
             <a:endParaRPr lang="zh-CN" altLang="en-US"/>
           </a:p>
@@ -1511,7 +1511,7 @@
           <a:p>
             <a:fld id="{D997B5FA-0921-464F-AAE1-844C04324D75}" type="datetimeFigureOut">
               <a:rPr lang="zh-CN" altLang="en-US" smtClean="0"/>
-              <a:t>2025/3/25</a:t>
+              <a:t>2025/3/26</a:t>
             </a:fld>
             <a:endParaRPr lang="zh-CN" altLang="en-US"/>
           </a:p>
@@ -1735,7 +1735,7 @@
           <a:p>
             <a:fld id="{D997B5FA-0921-464F-AAE1-844C04324D75}" type="datetimeFigureOut">
               <a:rPr lang="zh-CN" altLang="en-US" smtClean="0"/>
-              <a:t>2025/3/25</a:t>
+              <a:t>2025/3/26</a:t>
             </a:fld>
             <a:endParaRPr lang="zh-CN" altLang="en-US"/>
           </a:p>
@@ -2094,7 +2094,7 @@
           <a:p>
             <a:fld id="{D997B5FA-0921-464F-AAE1-844C04324D75}" type="datetimeFigureOut">
               <a:rPr lang="zh-CN" altLang="en-US" smtClean="0"/>
-              <a:t>2025/3/25</a:t>
+              <a:t>2025/3/26</a:t>
             </a:fld>
             <a:endParaRPr lang="zh-CN" altLang="en-US"/>
           </a:p>
@@ -2206,7 +2206,7 @@
           <a:p>
             <a:fld id="{D997B5FA-0921-464F-AAE1-844C04324D75}" type="datetimeFigureOut">
               <a:rPr lang="zh-CN" altLang="en-US" smtClean="0"/>
-              <a:t>2025/3/25</a:t>
+              <a:t>2025/3/26</a:t>
             </a:fld>
             <a:endParaRPr lang="zh-CN" altLang="en-US"/>
           </a:p>
@@ -2296,7 +2296,7 @@
           <a:p>
             <a:fld id="{D997B5FA-0921-464F-AAE1-844C04324D75}" type="datetimeFigureOut">
               <a:rPr lang="zh-CN" altLang="en-US" smtClean="0"/>
-              <a:t>2025/3/25</a:t>
+              <a:t>2025/3/26</a:t>
             </a:fld>
             <a:endParaRPr lang="zh-CN" altLang="en-US"/>
           </a:p>
@@ -2566,7 +2566,7 @@
           <a:p>
             <a:fld id="{D997B5FA-0921-464F-AAE1-844C04324D75}" type="datetimeFigureOut">
               <a:rPr lang="zh-CN" altLang="en-US" smtClean="0"/>
-              <a:t>2025/3/25</a:t>
+              <a:t>2025/3/26</a:t>
             </a:fld>
             <a:endParaRPr lang="zh-CN" altLang="en-US"/>
           </a:p>
@@ -2813,7 +2813,7 @@
           <a:p>
             <a:fld id="{D997B5FA-0921-464F-AAE1-844C04324D75}" type="datetimeFigureOut">
               <a:rPr lang="zh-CN" altLang="en-US" smtClean="0"/>
-              <a:t>2025/3/25</a:t>
+              <a:t>2025/3/26</a:t>
             </a:fld>
             <a:endParaRPr lang="zh-CN" altLang="en-US"/>
           </a:p>
@@ -3019,7 +3019,7 @@
           <a:p>
             <a:fld id="{D997B5FA-0921-464F-AAE1-844C04324D75}" type="datetimeFigureOut">
               <a:rPr lang="zh-CN" altLang="en-US" smtClean="0"/>
-              <a:t>2025/3/25</a:t>
+              <a:t>2025/3/26</a:t>
             </a:fld>
             <a:endParaRPr lang="zh-CN" altLang="en-US"/>
           </a:p>
@@ -25830,16 +25830,8 @@
       </p:cxnSp>
       <p:cxnSp>
         <p:nvCxnSpPr>
-          <p:cNvPr id="51" name="直接箭头连接符 50">
-            <a:extLst>
-              <a:ext uri="{FF2B5EF4-FFF2-40B4-BE49-F238E27FC236}">
-                <a16:creationId xmlns:a16="http://schemas.microsoft.com/office/drawing/2014/main" id="{D7E2DB49-9833-9885-4EF3-215F0081A560}"/>
-              </a:ext>
-            </a:extLst>
-          </p:cNvPr>
-          <p:cNvCxnSpPr>
-            <a:cxnSpLocks/>
-          </p:cNvCxnSpPr>
+          <p:cNvPr id="51" name="直接箭头连接符 50"/>
+          <p:cNvCxnSpPr/>
           <p:nvPr/>
         </p:nvCxnSpPr>
         <p:spPr>
@@ -25875,26 +25867,20 @@
       </p:cxnSp>
       <p:grpSp>
         <p:nvGrpSpPr>
-          <p:cNvPr id="711" name="组合 710">
-            <a:extLst>
-              <a:ext uri="{FF2B5EF4-FFF2-40B4-BE49-F238E27FC236}">
-                <a16:creationId xmlns:a16="http://schemas.microsoft.com/office/drawing/2014/main" id="{FC299CC7-F17A-DC12-9F90-28C7003FBEBC}"/>
-              </a:ext>
-            </a:extLst>
-          </p:cNvPr>
+          <p:cNvPr id="6" name="组合 5"/>
           <p:cNvGrpSpPr/>
           <p:nvPr/>
         </p:nvGrpSpPr>
         <p:grpSpPr>
           <a:xfrm>
-            <a:off x="5121591" y="10373672"/>
-            <a:ext cx="21838460" cy="13219842"/>
-            <a:chOff x="7215861" y="11871802"/>
-            <a:chExt cx="21838460" cy="13219842"/>
+            <a:off x="5121275" y="10373360"/>
+            <a:ext cx="21838285" cy="13220065"/>
+            <a:chOff x="8065" y="16336"/>
+            <a:chExt cx="34391" cy="20819"/>
           </a:xfrm>
         </p:grpSpPr>
-        <mc:AlternateContent xmlns:mc="http://schemas.openxmlformats.org/markup-compatibility/2006">
-          <mc:Choice xmlns:a14="http://schemas.microsoft.com/office/drawing/2010/main" Requires="a14">
+        <mc:AlternateContent xmlns:mc="http://schemas.openxmlformats.org/markup-compatibility/2006" xmlns:a14="http://schemas.microsoft.com/office/drawing/2010/main">
+          <mc:Choice Requires="a14">
             <p:sp>
               <p:nvSpPr>
                 <p:cNvPr id="782" name="圆角矩形 781"/>
@@ -25903,8 +25889,8 @@
               </p:nvSpPr>
               <p:spPr>
                 <a:xfrm>
-                  <a:off x="15531584" y="11871802"/>
-                  <a:ext cx="5373416" cy="2921751"/>
+                  <a:off x="21161" y="16336"/>
+                  <a:ext cx="8462" cy="4601"/>
                 </a:xfrm>
                 <a:prstGeom prst="roundRect">
                   <a:avLst/>
@@ -25964,9 +25950,9 @@
                       <a:solidFill>
                         <a:schemeClr val="tx1"/>
                       </a:solidFill>
-                      <a:latin typeface="Times New Roman" panose="02020603050405020304" pitchFamily="18" charset="0"/>
+                      <a:latin typeface="Times New Roman" panose="02020603050405020304" charset="0"/>
                       <a:ea typeface="黑体" panose="02010609060101010101" pitchFamily="49" charset="-122"/>
-                      <a:cs typeface="Times New Roman" panose="02020603050405020304" pitchFamily="18" charset="0"/>
+                      <a:cs typeface="Times New Roman" panose="02020603050405020304" charset="0"/>
                     </a:rPr>
                     <a:t>DMFNet</a:t>
                   </a:r>
@@ -26031,15 +26017,15 @@
                     <a:solidFill>
                       <a:schemeClr val="tx1"/>
                     </a:solidFill>
-                    <a:latin typeface="Times New Roman" panose="02020603050405020304" pitchFamily="18" charset="0"/>
+                    <a:latin typeface="Times New Roman" panose="02020603050405020304" charset="0"/>
                     <a:ea typeface="黑体" panose="02010609060101010101" pitchFamily="49" charset="-122"/>
-                    <a:cs typeface="Times New Roman" panose="02020603050405020304" pitchFamily="18" charset="0"/>
+                    <a:cs typeface="Times New Roman" panose="02020603050405020304" charset="0"/>
                   </a:endParaRPr>
                 </a:p>
               </p:txBody>
             </p:sp>
           </mc:Choice>
-          <mc:Fallback>
+          <mc:Fallback xmlns="">
             <p:sp>
               <p:nvSpPr>
                 <p:cNvPr id="782" name="圆角矩形 781"/>
@@ -26050,19 +26036,32 @@
               </p:nvSpPr>
               <p:spPr>
                 <a:xfrm>
-                  <a:off x="15531584" y="11871802"/>
-                  <a:ext cx="5373416" cy="2921751"/>
+                  <a:off x="21161" y="16336"/>
+                  <a:ext cx="8462" cy="4601"/>
                 </a:xfrm>
                 <a:prstGeom prst="roundRect">
                   <a:avLst/>
                 </a:prstGeom>
-                <a:blipFill>
+                <a:blipFill rotWithShape="1">
                   <a:blip r:embed="rId3"/>
-                  <a:stretch>
-                    <a:fillRect/>
-                  </a:stretch>
                 </a:blipFill>
               </p:spPr>
+              <p:style>
+                <a:lnRef idx="2">
+                  <a:schemeClr val="accent1">
+                    <a:lumMod val="75000"/>
+                  </a:schemeClr>
+                </a:lnRef>
+                <a:fillRef idx="1">
+                  <a:schemeClr val="accent1"/>
+                </a:fillRef>
+                <a:effectRef idx="0">
+                  <a:srgbClr val="FFFFFF"/>
+                </a:effectRef>
+                <a:fontRef idx="minor">
+                  <a:schemeClr val="lt1"/>
+                </a:fontRef>
+              </p:style>
               <p:txBody>
                 <a:bodyPr/>
                 <a:lstStyle/>
@@ -26080,20 +26079,14 @@
         </mc:AlternateContent>
         <p:grpSp>
           <p:nvGrpSpPr>
-            <p:cNvPr id="68" name="组合 67">
-              <a:extLst>
-                <a:ext uri="{FF2B5EF4-FFF2-40B4-BE49-F238E27FC236}">
-                  <a16:creationId xmlns:a16="http://schemas.microsoft.com/office/drawing/2014/main" id="{1E2BDBAF-05AA-4A80-6734-2BB0C322218A}"/>
-                </a:ext>
-              </a:extLst>
-            </p:cNvPr>
+            <p:cNvPr id="68" name="组合 67"/>
             <p:cNvGrpSpPr/>
             <p:nvPr/>
           </p:nvGrpSpPr>
           <p:grpSpPr>
             <a:xfrm>
-              <a:off x="7385828" y="11921575"/>
-              <a:ext cx="4274820" cy="3444972"/>
+              <a:off x="8333" y="16415"/>
+              <a:ext cx="6732" cy="5425"/>
               <a:chOff x="8650871" y="21675175"/>
               <a:chExt cx="4274820" cy="3444972"/>
             </a:xfrm>
@@ -26165,20 +26158,14 @@
         </p:grpSp>
         <p:grpSp>
           <p:nvGrpSpPr>
-            <p:cNvPr id="17" name="组合 16">
-              <a:extLst>
-                <a:ext uri="{FF2B5EF4-FFF2-40B4-BE49-F238E27FC236}">
-                  <a16:creationId xmlns:a16="http://schemas.microsoft.com/office/drawing/2014/main" id="{071C94F6-AA7D-216C-ADD6-241E6939C447}"/>
-                </a:ext>
-              </a:extLst>
-            </p:cNvPr>
+            <p:cNvPr id="17" name="组合 16"/>
             <p:cNvGrpSpPr/>
             <p:nvPr/>
           </p:nvGrpSpPr>
           <p:grpSpPr>
             <a:xfrm>
-              <a:off x="24549990" y="11971023"/>
-              <a:ext cx="4272915" cy="3430926"/>
+              <a:off x="35363" y="16493"/>
+              <a:ext cx="6729" cy="5403"/>
               <a:chOff x="16755110" y="6214745"/>
               <a:chExt cx="4272915" cy="3430926"/>
             </a:xfrm>
@@ -26210,13 +26197,7 @@
           </p:pic>
           <p:sp>
             <p:nvSpPr>
-              <p:cNvPr id="15" name="文本框 14">
-                <a:extLst>
-                  <a:ext uri="{FF2B5EF4-FFF2-40B4-BE49-F238E27FC236}">
-                    <a16:creationId xmlns:a16="http://schemas.microsoft.com/office/drawing/2014/main" id="{555B66D2-C8A1-C8E1-FB78-FBA4803FC210}"/>
-                  </a:ext>
-                </a:extLst>
-              </p:cNvPr>
+              <p:cNvPr id="15" name="文本框 14"/>
               <p:cNvSpPr txBox="1"/>
               <p:nvPr/>
             </p:nvSpPr>
@@ -26256,15 +26237,8 @@
         </p:grpSp>
         <p:cxnSp>
           <p:nvCxnSpPr>
-            <p:cNvPr id="40" name="直接箭头连接符 39">
-              <a:extLst>
-                <a:ext uri="{FF2B5EF4-FFF2-40B4-BE49-F238E27FC236}">
-                  <a16:creationId xmlns:a16="http://schemas.microsoft.com/office/drawing/2014/main" id="{805A0DCB-E42C-2815-1639-01686C8F547E}"/>
-                </a:ext>
-              </a:extLst>
-            </p:cNvPr>
+            <p:cNvPr id="40" name="直接箭头连接符 39"/>
             <p:cNvCxnSpPr>
-              <a:cxnSpLocks/>
               <a:stCxn id="9" idx="3"/>
               <a:endCxn id="782" idx="1"/>
             </p:cNvCxnSpPr>
@@ -26272,8 +26246,8 @@
           </p:nvCxnSpPr>
           <p:spPr>
             <a:xfrm>
-              <a:off x="11660648" y="13307145"/>
-              <a:ext cx="3870936" cy="25533"/>
+              <a:off x="15065" y="18597"/>
+              <a:ext cx="6096" cy="40"/>
             </a:xfrm>
             <a:prstGeom prst="straightConnector1">
               <a:avLst/>
@@ -26283,7 +26257,7 @@
                 <a:schemeClr val="tx1"/>
               </a:solidFill>
               <a:round/>
-              <a:tailEnd type="triangle"/>
+              <a:tailEnd type="triangle" w="lg" len="lg"/>
             </a:ln>
           </p:spPr>
           <p:style>
@@ -26303,15 +26277,8 @@
         </p:cxnSp>
         <p:cxnSp>
           <p:nvCxnSpPr>
-            <p:cNvPr id="44" name="直接箭头连接符 43">
-              <a:extLst>
-                <a:ext uri="{FF2B5EF4-FFF2-40B4-BE49-F238E27FC236}">
-                  <a16:creationId xmlns:a16="http://schemas.microsoft.com/office/drawing/2014/main" id="{AA39506D-37A1-F268-D8C0-85304339F671}"/>
-                </a:ext>
-              </a:extLst>
-            </p:cNvPr>
+            <p:cNvPr id="44" name="直接箭头连接符 43"/>
             <p:cNvCxnSpPr>
-              <a:cxnSpLocks/>
               <a:stCxn id="782" idx="3"/>
               <a:endCxn id="13" idx="1"/>
             </p:cNvCxnSpPr>
@@ -26319,8 +26286,8 @@
           </p:nvCxnSpPr>
           <p:spPr>
             <a:xfrm>
-              <a:off x="20905000" y="13332678"/>
-              <a:ext cx="3644990" cy="23915"/>
+              <a:off x="29623" y="18637"/>
+              <a:ext cx="5740" cy="38"/>
             </a:xfrm>
             <a:prstGeom prst="straightConnector1">
               <a:avLst/>
@@ -26330,7 +26297,7 @@
                 <a:schemeClr val="tx1"/>
               </a:solidFill>
               <a:round/>
-              <a:tailEnd type="triangle"/>
+              <a:tailEnd type="triangle" w="lg" len="lg"/>
             </a:ln>
           </p:spPr>
           <p:style>
@@ -26350,33 +26317,21 @@
         </p:cxnSp>
         <p:grpSp>
           <p:nvGrpSpPr>
-            <p:cNvPr id="706" name="组合 705">
-              <a:extLst>
-                <a:ext uri="{FF2B5EF4-FFF2-40B4-BE49-F238E27FC236}">
-                  <a16:creationId xmlns:a16="http://schemas.microsoft.com/office/drawing/2014/main" id="{2A4BA4DF-704D-1A51-67D5-1C2B917E7130}"/>
-                </a:ext>
-              </a:extLst>
-            </p:cNvPr>
+            <p:cNvPr id="706" name="组合 705"/>
             <p:cNvGrpSpPr/>
             <p:nvPr/>
           </p:nvGrpSpPr>
           <p:grpSpPr>
             <a:xfrm>
-              <a:off x="7215861" y="15455604"/>
-              <a:ext cx="21838460" cy="9636040"/>
+              <a:off x="8065" y="21980"/>
+              <a:ext cx="34391" cy="15175"/>
               <a:chOff x="7462416" y="15488426"/>
               <a:chExt cx="21838460" cy="9636040"/>
             </a:xfrm>
           </p:grpSpPr>
           <p:sp>
             <p:nvSpPr>
-              <p:cNvPr id="43" name="矩形 42">
-                <a:extLst>
-                  <a:ext uri="{FF2B5EF4-FFF2-40B4-BE49-F238E27FC236}">
-                    <a16:creationId xmlns:a16="http://schemas.microsoft.com/office/drawing/2014/main" id="{DE67A69F-81C8-1BA8-A139-1816FE6CB692}"/>
-                  </a:ext>
-                </a:extLst>
-              </p:cNvPr>
+              <p:cNvPr id="43" name="矩形 42"/>
               <p:cNvSpPr/>
               <p:nvPr/>
             </p:nvSpPr>
@@ -26429,13 +26384,7 @@
           </p:sp>
           <p:grpSp>
             <p:nvGrpSpPr>
-              <p:cNvPr id="8" name="组合 7">
-                <a:extLst>
-                  <a:ext uri="{FF2B5EF4-FFF2-40B4-BE49-F238E27FC236}">
-                    <a16:creationId xmlns:a16="http://schemas.microsoft.com/office/drawing/2014/main" id="{FE2B5EF2-E2C1-3001-7A2A-BD71BC2753F2}"/>
-                  </a:ext>
-                </a:extLst>
-              </p:cNvPr>
+              <p:cNvPr id="8" name="组合 7"/>
               <p:cNvGrpSpPr/>
               <p:nvPr/>
             </p:nvGrpSpPr>
@@ -26500,17 +26449,11 @@
                 </a:p>
               </p:txBody>
             </p:sp>
-            <mc:AlternateContent xmlns:mc="http://schemas.openxmlformats.org/markup-compatibility/2006">
-              <mc:Choice xmlns:a14="http://schemas.microsoft.com/office/drawing/2010/main" Requires="a14">
+            <mc:AlternateContent xmlns:mc="http://schemas.openxmlformats.org/markup-compatibility/2006" xmlns:a14="http://schemas.microsoft.com/office/drawing/2010/main">
+              <mc:Choice Requires="a14">
                 <p:sp>
                   <p:nvSpPr>
-                    <p:cNvPr id="7" name="文本框 6">
-                      <a:extLst>
-                        <a:ext uri="{FF2B5EF4-FFF2-40B4-BE49-F238E27FC236}">
-                          <a16:creationId xmlns:a16="http://schemas.microsoft.com/office/drawing/2014/main" id="{7EB0877C-4E5E-158A-CF23-1384F48BC2B0}"/>
-                        </a:ext>
-                      </a:extLst>
-                    </p:cNvPr>
+                    <p:cNvPr id="7" name="文本框 6"/>
                     <p:cNvSpPr txBox="1"/>
                     <p:nvPr/>
                   </p:nvSpPr>
@@ -26536,8 +26479,8 @@
                           <a:solidFill>
                             <a:schemeClr val="tx1"/>
                           </a:solidFill>
-                          <a:latin typeface="黑体" panose="02010609060101010101" charset="-122"/>
-                          <a:ea typeface="黑体" panose="02010609060101010101" charset="-122"/>
+                          <a:latin typeface="黑体" panose="02010609060101010101" pitchFamily="49" charset="-122"/>
+                          <a:ea typeface="黑体" panose="02010609060101010101" pitchFamily="49" charset="-122"/>
                           <a:cs typeface="Times New Roman" panose="02020603050405020304" charset="0"/>
                         </a:rPr>
                         <a:t>子采样器</a:t>
@@ -26650,16 +26593,10 @@
                   </p:txBody>
                 </p:sp>
               </mc:Choice>
-              <mc:Fallback>
+              <mc:Fallback xmlns="">
                 <p:sp>
                   <p:nvSpPr>
-                    <p:cNvPr id="7" name="文本框 6">
-                      <a:extLst>
-                        <a:ext uri="{FF2B5EF4-FFF2-40B4-BE49-F238E27FC236}">
-                          <a16:creationId xmlns:a16="http://schemas.microsoft.com/office/drawing/2014/main" id="{7EB0877C-4E5E-158A-CF23-1384F48BC2B0}"/>
-                        </a:ext>
-                      </a:extLst>
-                    </p:cNvPr>
+                    <p:cNvPr id="7" name="文本框 6"/>
                     <p:cNvSpPr txBox="1">
                       <a:spLocks noRot="1" noChangeAspect="1" noMove="1" noResize="1" noEditPoints="1" noAdjustHandles="1" noChangeArrowheads="1" noChangeShapeType="1" noTextEdit="1"/>
                     </p:cNvSpPr>
@@ -26673,11 +26610,8 @@
                     <a:prstGeom prst="rect">
                       <a:avLst/>
                     </a:prstGeom>
-                    <a:blipFill>
+                    <a:blipFill rotWithShape="1">
                       <a:blip r:embed="rId6"/>
-                      <a:stretch>
-                        <a:fillRect t="-15126" b="-55462"/>
-                      </a:stretch>
                     </a:blipFill>
                   </p:spPr>
                   <p:txBody>
@@ -26698,13 +26632,7 @@
           </p:grpSp>
           <p:sp>
             <p:nvSpPr>
-              <p:cNvPr id="225" name="文本框 224">
-                <a:extLst>
-                  <a:ext uri="{FF2B5EF4-FFF2-40B4-BE49-F238E27FC236}">
-                    <a16:creationId xmlns:a16="http://schemas.microsoft.com/office/drawing/2014/main" id="{50F58D62-FF11-966F-006C-F09337EF3772}"/>
-                  </a:ext>
-                </a:extLst>
-              </p:cNvPr>
+              <p:cNvPr id="225" name="文本框 224"/>
               <p:cNvSpPr txBox="1"/>
               <p:nvPr/>
             </p:nvSpPr>
@@ -26744,13 +26672,7 @@
           </p:sp>
           <p:cxnSp>
             <p:nvCxnSpPr>
-              <p:cNvPr id="47" name="连接符: 曲线 46">
-                <a:extLst>
-                  <a:ext uri="{FF2B5EF4-FFF2-40B4-BE49-F238E27FC236}">
-                    <a16:creationId xmlns:a16="http://schemas.microsoft.com/office/drawing/2014/main" id="{E24651CE-11AF-915E-B0E8-6532C47F1192}"/>
-                  </a:ext>
-                </a:extLst>
-              </p:cNvPr>
+              <p:cNvPr id="47" name="连接符: 曲线 46"/>
               <p:cNvCxnSpPr>
                 <a:stCxn id="749" idx="3"/>
                 <a:endCxn id="23" idx="1"/>
@@ -26770,7 +26692,7 @@
                   <a:srgbClr val="A681D1"/>
                 </a:solidFill>
                 <a:headEnd type="none"/>
-                <a:tailEnd type="triangle" w="med" len="med"/>
+                <a:tailEnd type="triangle" w="lg" len="lg"/>
               </a:ln>
             </p:spPr>
             <p:style>
@@ -26790,15 +26712,8 @@
           </p:cxnSp>
           <p:cxnSp>
             <p:nvCxnSpPr>
-              <p:cNvPr id="50" name="连接符: 曲线 49">
-                <a:extLst>
-                  <a:ext uri="{FF2B5EF4-FFF2-40B4-BE49-F238E27FC236}">
-                    <a16:creationId xmlns:a16="http://schemas.microsoft.com/office/drawing/2014/main" id="{46955A72-1C9D-396A-14AC-2EB5D7D9D987}"/>
-                  </a:ext>
-                </a:extLst>
-              </p:cNvPr>
+              <p:cNvPr id="50" name="连接符: 曲线 49"/>
               <p:cNvCxnSpPr>
-                <a:cxnSpLocks/>
                 <a:stCxn id="749" idx="3"/>
                 <a:endCxn id="86" idx="1"/>
               </p:cNvCxnSpPr>
@@ -26820,7 +26735,7 @@
                     <a:lumMod val="75000"/>
                   </a:schemeClr>
                 </a:solidFill>
-                <a:tailEnd type="triangle"/>
+                <a:tailEnd type="triangle" w="lg" len="lg"/>
               </a:ln>
             </p:spPr>
             <p:style>
@@ -26840,13 +26755,7 @@
           </p:cxnSp>
           <p:grpSp>
             <p:nvGrpSpPr>
-              <p:cNvPr id="227" name="组合 226">
-                <a:extLst>
-                  <a:ext uri="{FF2B5EF4-FFF2-40B4-BE49-F238E27FC236}">
-                    <a16:creationId xmlns:a16="http://schemas.microsoft.com/office/drawing/2014/main" id="{2FF29D24-9C10-3803-893B-59F9577C845D}"/>
-                  </a:ext>
-                </a:extLst>
-              </p:cNvPr>
+              <p:cNvPr id="227" name="组合 226"/>
               <p:cNvGrpSpPr/>
               <p:nvPr/>
             </p:nvGrpSpPr>
@@ -26860,13 +26769,7 @@
             </p:grpSpPr>
             <p:sp>
               <p:nvSpPr>
-                <p:cNvPr id="24" name="文本框 23">
-                  <a:extLst>
-                    <a:ext uri="{FF2B5EF4-FFF2-40B4-BE49-F238E27FC236}">
-                      <a16:creationId xmlns:a16="http://schemas.microsoft.com/office/drawing/2014/main" id="{A8416A44-6DE4-C32A-498B-E7934FB85926}"/>
-                    </a:ext>
-                  </a:extLst>
-                </p:cNvPr>
+                <p:cNvPr id="24" name="文本框 23"/>
                 <p:cNvSpPr txBox="1"/>
                 <p:nvPr/>
               </p:nvSpPr>
@@ -26903,9 +26806,9 @@
                       <a:solidFill>
                         <a:schemeClr val="tx1"/>
                       </a:solidFill>
-                      <a:latin typeface="Times New Roman" panose="02020603050405020304" pitchFamily="18" charset="0"/>
+                      <a:latin typeface="Times New Roman" panose="02020603050405020304" charset="0"/>
                       <a:ea typeface="黑体" panose="02010609060101010101" pitchFamily="49" charset="-122"/>
-                      <a:cs typeface="Times New Roman" panose="02020603050405020304" pitchFamily="18" charset="0"/>
+                      <a:cs typeface="Times New Roman" panose="02020603050405020304" charset="0"/>
                     </a:rPr>
                     <a:t>y</a:t>
                   </a:r>
@@ -26917,9 +26820,9 @@
                       <a:solidFill>
                         <a:schemeClr val="tx1"/>
                       </a:solidFill>
-                      <a:latin typeface="Times New Roman" panose="02020603050405020304" pitchFamily="18" charset="0"/>
+                      <a:latin typeface="Times New Roman" panose="02020603050405020304" charset="0"/>
                       <a:ea typeface="黑体" panose="02010609060101010101" pitchFamily="49" charset="-122"/>
-                      <a:cs typeface="Times New Roman" panose="02020603050405020304" pitchFamily="18" charset="0"/>
+                      <a:cs typeface="Times New Roman" panose="02020603050405020304" charset="0"/>
                     </a:rPr>
                     <a:t>1</a:t>
                   </a:r>
@@ -26931,9 +26834,9 @@
                       <a:solidFill>
                         <a:schemeClr val="tx1"/>
                       </a:solidFill>
-                      <a:latin typeface="Times New Roman" panose="02020603050405020304" pitchFamily="18" charset="0"/>
+                      <a:latin typeface="Times New Roman" panose="02020603050405020304" charset="0"/>
                       <a:ea typeface="黑体" panose="02010609060101010101" pitchFamily="49" charset="-122"/>
-                      <a:cs typeface="Times New Roman" panose="02020603050405020304" pitchFamily="18" charset="0"/>
+                      <a:cs typeface="Times New Roman" panose="02020603050405020304" charset="0"/>
                     </a:rPr>
                     <a:t>(t)</a:t>
                   </a:r>
@@ -26942,22 +26845,16 @@
                       <a:noFill/>
                     </a:ln>
                     <a:noFill/>
-                    <a:latin typeface="Times New Roman" panose="02020603050405020304" pitchFamily="18" charset="0"/>
+                    <a:latin typeface="Times New Roman" panose="02020603050405020304" charset="0"/>
                     <a:ea typeface="黑体" panose="02010609060101010101" pitchFamily="49" charset="-122"/>
-                    <a:cs typeface="Times New Roman" panose="02020603050405020304" pitchFamily="18" charset="0"/>
+                    <a:cs typeface="Times New Roman" panose="02020603050405020304" charset="0"/>
                   </a:endParaRPr>
                 </a:p>
               </p:txBody>
             </p:sp>
             <p:pic>
               <p:nvPicPr>
-                <p:cNvPr id="23" name="图片 22">
-                  <a:extLst>
-                    <a:ext uri="{FF2B5EF4-FFF2-40B4-BE49-F238E27FC236}">
-                      <a16:creationId xmlns:a16="http://schemas.microsoft.com/office/drawing/2014/main" id="{8AE4B4A8-BA53-42AF-B870-7D6B158D69AA}"/>
-                    </a:ext>
-                  </a:extLst>
-                </p:cNvPr>
+                <p:cNvPr id="23" name="图片 22"/>
                 <p:cNvPicPr>
                   <a:picLocks noChangeAspect="1"/>
                 </p:cNvPicPr>
@@ -26972,7 +26869,9 @@
                   </a:extLst>
                 </a:blip>
                 <a:srcRect l="12436" t="12097" r="9637" b="12129"/>
-                <a:stretch/>
+                <a:stretch>
+                  <a:fillRect/>
+                </a:stretch>
               </p:blipFill>
               <p:spPr>
                 <a:xfrm>
@@ -26985,17 +26884,11 @@
               </p:spPr>
             </p:pic>
           </p:grpSp>
-          <mc:AlternateContent xmlns:mc="http://schemas.openxmlformats.org/markup-compatibility/2006">
-            <mc:Choice xmlns:a14="http://schemas.microsoft.com/office/drawing/2010/main" Requires="a14">
+          <mc:AlternateContent xmlns:mc="http://schemas.openxmlformats.org/markup-compatibility/2006" xmlns:a14="http://schemas.microsoft.com/office/drawing/2010/main">
+            <mc:Choice Requires="a14">
               <p:sp>
                 <p:nvSpPr>
-                  <p:cNvPr id="63" name="圆角矩形 781">
-                    <a:extLst>
-                      <a:ext uri="{FF2B5EF4-FFF2-40B4-BE49-F238E27FC236}">
-                        <a16:creationId xmlns:a16="http://schemas.microsoft.com/office/drawing/2014/main" id="{17DE672F-C801-CB6F-3C81-2C7583D98FDB}"/>
-                      </a:ext>
-                    </a:extLst>
-                  </p:cNvPr>
+                  <p:cNvPr id="63" name="圆角矩形 781"/>
                   <p:cNvSpPr/>
                   <p:nvPr/>
                 </p:nvSpPr>
@@ -27062,9 +26955,9 @@
                         <a:solidFill>
                           <a:schemeClr val="tx1"/>
                         </a:solidFill>
-                        <a:latin typeface="Times New Roman" panose="02020603050405020304" pitchFamily="18" charset="0"/>
+                        <a:latin typeface="Times New Roman" panose="02020603050405020304" charset="0"/>
                         <a:ea typeface="黑体" panose="02010609060101010101" pitchFamily="49" charset="-122"/>
-                        <a:cs typeface="Times New Roman" panose="02020603050405020304" pitchFamily="18" charset="0"/>
+                        <a:cs typeface="Times New Roman" panose="02020603050405020304" charset="0"/>
                       </a:rPr>
                       <a:t>DMFNet</a:t>
                     </a:r>
@@ -27114,24 +27007,18 @@
                       <a:solidFill>
                         <a:schemeClr val="tx1"/>
                       </a:solidFill>
-                      <a:latin typeface="Times New Roman" panose="02020603050405020304" pitchFamily="18" charset="0"/>
+                      <a:latin typeface="Times New Roman" panose="02020603050405020304" charset="0"/>
                       <a:ea typeface="黑体" panose="02010609060101010101" pitchFamily="49" charset="-122"/>
-                      <a:cs typeface="Times New Roman" panose="02020603050405020304" pitchFamily="18" charset="0"/>
+                      <a:cs typeface="Times New Roman" panose="02020603050405020304" charset="0"/>
                     </a:endParaRPr>
                   </a:p>
                 </p:txBody>
               </p:sp>
             </mc:Choice>
-            <mc:Fallback>
+            <mc:Fallback xmlns="">
               <p:sp>
                 <p:nvSpPr>
-                  <p:cNvPr id="63" name="圆角矩形 781">
-                    <a:extLst>
-                      <a:ext uri="{FF2B5EF4-FFF2-40B4-BE49-F238E27FC236}">
-                        <a16:creationId xmlns:a16="http://schemas.microsoft.com/office/drawing/2014/main" id="{17DE672F-C801-CB6F-3C81-2C7583D98FDB}"/>
-                      </a:ext>
-                    </a:extLst>
-                  </p:cNvPr>
+                  <p:cNvPr id="63" name="圆角矩形 781"/>
                   <p:cNvSpPr>
                     <a:spLocks noRot="1" noChangeAspect="1" noMove="1" noResize="1" noEditPoints="1" noAdjustHandles="1" noChangeArrowheads="1" noChangeShapeType="1" noTextEdit="1"/>
                   </p:cNvSpPr>
@@ -27145,13 +27032,26 @@
                   <a:prstGeom prst="roundRect">
                     <a:avLst/>
                   </a:prstGeom>
-                  <a:blipFill>
+                  <a:blipFill rotWithShape="1">
                     <a:blip r:embed="rId8"/>
-                    <a:stretch>
-                      <a:fillRect/>
-                    </a:stretch>
                   </a:blipFill>
                 </p:spPr>
+                <p:style>
+                  <a:lnRef idx="2">
+                    <a:schemeClr val="accent1">
+                      <a:lumMod val="75000"/>
+                    </a:schemeClr>
+                  </a:lnRef>
+                  <a:fillRef idx="1">
+                    <a:schemeClr val="accent1"/>
+                  </a:fillRef>
+                  <a:effectRef idx="0">
+                    <a:srgbClr val="FFFFFF"/>
+                  </a:effectRef>
+                  <a:fontRef idx="minor">
+                    <a:schemeClr val="lt1"/>
+                  </a:fontRef>
+                </p:style>
                 <p:txBody>
                   <a:bodyPr/>
                   <a:lstStyle/>
@@ -27169,16 +27069,8 @@
           </mc:AlternateContent>
           <p:cxnSp>
             <p:nvCxnSpPr>
-              <p:cNvPr id="64" name="直接箭头连接符 63">
-                <a:extLst>
-                  <a:ext uri="{FF2B5EF4-FFF2-40B4-BE49-F238E27FC236}">
-                    <a16:creationId xmlns:a16="http://schemas.microsoft.com/office/drawing/2014/main" id="{07E83DE6-5925-8A1B-9A16-52F0E8DF2085}"/>
-                  </a:ext>
-                </a:extLst>
-              </p:cNvPr>
-              <p:cNvCxnSpPr>
-                <a:cxnSpLocks/>
-              </p:cNvCxnSpPr>
+              <p:cNvPr id="64" name="直接箭头连接符 63"/>
+              <p:cNvCxnSpPr/>
               <p:nvPr/>
             </p:nvCxnSpPr>
             <p:spPr>
@@ -27194,7 +27086,7 @@
                   <a:srgbClr val="A681D1"/>
                 </a:solidFill>
                 <a:round/>
-                <a:tailEnd type="triangle"/>
+                <a:tailEnd type="triangle" w="lg" len="lg"/>
               </a:ln>
             </p:spPr>
             <p:style>
@@ -27214,42 +27106,30 @@
           </p:cxnSp>
           <p:grpSp>
             <p:nvGrpSpPr>
-              <p:cNvPr id="73" name="组合 72">
-                <a:extLst>
-                  <a:ext uri="{FF2B5EF4-FFF2-40B4-BE49-F238E27FC236}">
-                    <a16:creationId xmlns:a16="http://schemas.microsoft.com/office/drawing/2014/main" id="{65854AF1-E8E7-68D5-9F2A-864776EBEF2F}"/>
-                  </a:ext>
-                </a:extLst>
-              </p:cNvPr>
+              <p:cNvPr id="73" name="组合 72"/>
               <p:cNvGrpSpPr/>
               <p:nvPr/>
             </p:nvGrpSpPr>
             <p:grpSpPr>
               <a:xfrm>
                 <a:off x="24785123" y="16428231"/>
-                <a:ext cx="4295761" cy="3765235"/>
+                <a:ext cx="4295761" cy="3812740"/>
                 <a:chOff x="14365803" y="17637957"/>
-                <a:chExt cx="4295761" cy="3765235"/>
+                <a:chExt cx="4295761" cy="3812740"/>
               </a:xfrm>
             </p:grpSpPr>
             <mc:AlternateContent xmlns:mc="http://schemas.openxmlformats.org/markup-compatibility/2006">
               <mc:Choice xmlns:a14="http://schemas.microsoft.com/office/drawing/2010/main" Requires="a14">
                 <p:sp>
                   <p:nvSpPr>
-                    <p:cNvPr id="67" name="文本框 66">
-                      <a:extLst>
-                        <a:ext uri="{FF2B5EF4-FFF2-40B4-BE49-F238E27FC236}">
-                          <a16:creationId xmlns:a16="http://schemas.microsoft.com/office/drawing/2014/main" id="{F2F65544-2F0C-B91F-1342-0D14F0AE550B}"/>
-                        </a:ext>
-                      </a:extLst>
-                    </p:cNvPr>
+                    <p:cNvPr id="67" name="文本框 66"/>
                     <p:cNvSpPr txBox="1"/>
                     <p:nvPr/>
                   </p:nvSpPr>
                   <p:spPr>
                     <a:xfrm>
                       <a:off x="14439900" y="20572195"/>
-                      <a:ext cx="4221659" cy="830997"/>
+                      <a:ext cx="4221659" cy="878502"/>
                     </a:xfrm>
                     <a:prstGeom prst="rect">
                       <a:avLst/>
@@ -27276,57 +27156,63 @@
                           <m:sSub>
                             <m:sSubPr>
                               <m:ctrlPr>
-                                <a:rPr lang="zh-CN" altLang="zh-CN" sz="2400" i="1"/>
-                              </m:ctrlPr>
-                            </m:sSubPr>
-                            <m:e>
-                              <m:r>
-                                <a:rPr lang="en-US" altLang="zh-CN" sz="2400" b="0" i="1"/>
-                                <m:t>𝑓</m:t>
-                              </m:r>
-                            </m:e>
-                            <m:sub>
-                              <m:r>
-                                <a:rPr lang="en-US" altLang="zh-CN" sz="2400" b="0" i="1"/>
-                                <m:t>𝜃</m:t>
-                              </m:r>
-                            </m:sub>
-                          </m:sSub>
-                          <m:r>
-                            <a:rPr lang="en-US" altLang="zh-CN" sz="2400" b="1" i="1"/>
-                            <m:t>(</m:t>
-                          </m:r>
-                          <m:sSub>
-                            <m:sSubPr>
-                              <m:ctrlPr>
                                 <a:rPr lang="zh-CN" altLang="zh-CN" sz="2400" b="1" i="1"/>
                               </m:ctrlPr>
                             </m:sSubPr>
                             <m:e>
                               <m:r>
                                 <a:rPr lang="en-US" altLang="zh-CN" sz="2400" b="1" i="1"/>
-                                <m:t>𝒚</m:t>
+                                <m:t>𝒇</m:t>
                               </m:r>
                             </m:e>
                             <m:sub>
                               <m:r>
                                 <a:rPr lang="en-US" altLang="zh-CN" sz="2400" b="1" i="1"/>
-                                <m:t>𝟏</m:t>
+                                <m:t>𝜽</m:t>
                               </m:r>
                             </m:sub>
                           </m:sSub>
-                          <m:r>
-                            <a:rPr lang="en-US" altLang="zh-CN" sz="2400" b="1" i="1"/>
-                            <m:t>(</m:t>
-                          </m:r>
-                          <m:r>
-                            <a:rPr lang="en-US" altLang="zh-CN" sz="2400" b="1" i="1"/>
-                            <m:t>𝒕</m:t>
-                          </m:r>
-                          <m:r>
-                            <a:rPr lang="en-US" altLang="zh-CN" sz="2400" b="1" i="1"/>
-                            <m:t>))</m:t>
-                          </m:r>
+                          <m:d>
+                            <m:dPr>
+                              <m:ctrlPr>
+                                <a:rPr lang="zh-CN" altLang="zh-CN" sz="2400" b="1" i="1"/>
+                              </m:ctrlPr>
+                            </m:dPr>
+                            <m:e>
+                              <m:sSub>
+                                <m:sSubPr>
+                                  <m:ctrlPr>
+                                    <a:rPr lang="zh-CN" altLang="zh-CN" sz="2400" b="1" i="1"/>
+                                  </m:ctrlPr>
+                                </m:sSubPr>
+                                <m:e>
+                                  <m:r>
+                                    <a:rPr lang="en-US" altLang="zh-CN" sz="2400" b="1" i="1"/>
+                                    <m:t>𝒚</m:t>
+                                  </m:r>
+                                </m:e>
+                                <m:sub>
+                                  <m:r>
+                                    <a:rPr lang="en-US" altLang="zh-CN" sz="2400" b="1" i="1"/>
+                                    <m:t>𝟏</m:t>
+                                  </m:r>
+                                </m:sub>
+                              </m:sSub>
+                              <m:d>
+                                <m:dPr>
+                                  <m:ctrlPr>
+                                    <a:rPr lang="zh-CN" altLang="zh-CN" sz="2400" b="1" i="1"/>
+                                  </m:ctrlPr>
+                                </m:dPr>
+                                <m:e>
+                                  <m:r>
+                                    <a:rPr lang="en-US" altLang="zh-CN" sz="2400" b="1" i="1"/>
+                                    <m:t>𝒕</m:t>
+                                  </m:r>
+                                </m:e>
+                              </m:d>
+                            </m:e>
+                          </m:d>
                         </m:oMath>
                       </a14:m>
                       <a:endParaRPr lang="en-US" altLang="zh-CN" sz="2400" b="1" dirty="0">
@@ -27340,13 +27226,7 @@
               <mc:Fallback>
                 <p:sp>
                   <p:nvSpPr>
-                    <p:cNvPr id="67" name="文本框 66">
-                      <a:extLst>
-                        <a:ext uri="{FF2B5EF4-FFF2-40B4-BE49-F238E27FC236}">
-                          <a16:creationId xmlns:a16="http://schemas.microsoft.com/office/drawing/2014/main" id="{F2F65544-2F0C-B91F-1342-0D14F0AE550B}"/>
-                        </a:ext>
-                      </a:extLst>
-                    </p:cNvPr>
+                    <p:cNvPr id="67" name="文本框 66"/>
                     <p:cNvSpPr txBox="1">
                       <a:spLocks noRot="1" noChangeAspect="1" noMove="1" noResize="1" noEditPoints="1" noAdjustHandles="1" noChangeArrowheads="1" noChangeShapeType="1" noTextEdit="1"/>
                     </p:cNvSpPr>
@@ -27355,7 +27235,7 @@
                   <p:spPr>
                     <a:xfrm>
                       <a:off x="14439900" y="20572195"/>
-                      <a:ext cx="4221659" cy="830997"/>
+                      <a:ext cx="4221659" cy="878502"/>
                     </a:xfrm>
                     <a:prstGeom prst="rect">
                       <a:avLst/>
@@ -27363,7 +27243,7 @@
                     <a:blipFill>
                       <a:blip r:embed="rId9"/>
                       <a:stretch>
-                        <a:fillRect t="-5882" b="-10294"/>
+                        <a:fillRect t="-5556"/>
                       </a:stretch>
                     </a:blipFill>
                   </p:spPr>
@@ -27384,13 +27264,7 @@
             </mc:AlternateContent>
             <p:pic>
               <p:nvPicPr>
-                <p:cNvPr id="66" name="图片 65">
-                  <a:extLst>
-                    <a:ext uri="{FF2B5EF4-FFF2-40B4-BE49-F238E27FC236}">
-                      <a16:creationId xmlns:a16="http://schemas.microsoft.com/office/drawing/2014/main" id="{3E4C327D-FD1E-A138-1113-457E1AA9B2C4}"/>
-                    </a:ext>
-                  </a:extLst>
-                </p:cNvPr>
+                <p:cNvPr id="66" name="图片 65"/>
                 <p:cNvPicPr>
                   <a:picLocks noChangeAspect="1"/>
                 </p:cNvPicPr>
@@ -27405,7 +27279,9 @@
                   </a:extLst>
                 </a:blip>
                 <a:srcRect l="12388" t="12212" r="9304" b="11998"/>
-                <a:stretch/>
+                <a:stretch>
+                  <a:fillRect/>
+                </a:stretch>
               </p:blipFill>
               <p:spPr>
                 <a:xfrm>
@@ -27420,16 +27296,8 @@
           </p:grpSp>
           <p:cxnSp>
             <p:nvCxnSpPr>
-              <p:cNvPr id="705" name="直接箭头连接符 704">
-                <a:extLst>
-                  <a:ext uri="{FF2B5EF4-FFF2-40B4-BE49-F238E27FC236}">
-                    <a16:creationId xmlns:a16="http://schemas.microsoft.com/office/drawing/2014/main" id="{D397E69F-40A5-92A8-6F0A-4A4BAD432C10}"/>
-                  </a:ext>
-                </a:extLst>
-              </p:cNvPr>
-              <p:cNvCxnSpPr>
-                <a:cxnSpLocks/>
-              </p:cNvCxnSpPr>
+              <p:cNvPr id="705" name="直接箭头连接符 704"/>
+              <p:cNvCxnSpPr/>
               <p:nvPr/>
             </p:nvCxnSpPr>
             <p:spPr>
@@ -27445,7 +27313,7 @@
                   <a:srgbClr val="A681D1"/>
                 </a:solidFill>
                 <a:round/>
-                <a:tailEnd type="triangle"/>
+                <a:tailEnd type="triangle" w="lg" len="lg"/>
               </a:ln>
             </p:spPr>
             <p:style>
@@ -27465,15 +27333,8 @@
           </p:cxnSp>
           <p:cxnSp>
             <p:nvCxnSpPr>
-              <p:cNvPr id="192" name="连接符: 曲线 191">
-                <a:extLst>
-                  <a:ext uri="{FF2B5EF4-FFF2-40B4-BE49-F238E27FC236}">
-                    <a16:creationId xmlns:a16="http://schemas.microsoft.com/office/drawing/2014/main" id="{B5AF8FAB-BC8D-E725-9ED8-144FAADF6483}"/>
-                  </a:ext>
-                </a:extLst>
-              </p:cNvPr>
+              <p:cNvPr id="192" name="连接符: 曲线 191"/>
               <p:cNvCxnSpPr>
-                <a:cxnSpLocks/>
                 <a:stCxn id="67" idx="2"/>
                 <a:endCxn id="82" idx="3"/>
               </p:cNvCxnSpPr>
@@ -27481,8 +27342,8 @@
             </p:nvCxnSpPr>
             <p:spPr>
               <a:xfrm rot="5400000">
-                <a:off x="24159813" y="19995613"/>
-                <a:ext cx="2612385" cy="3008090"/>
+                <a:off x="24183566" y="20019367"/>
+                <a:ext cx="2564880" cy="3008089"/>
               </a:xfrm>
               <a:prstGeom prst="curvedConnector2">
                 <a:avLst/>
@@ -27492,7 +27353,7 @@
                   <a:srgbClr val="A681D1"/>
                 </a:solidFill>
                 <a:prstDash val="sysDash"/>
-                <a:tailEnd type="triangle"/>
+                <a:tailEnd type="triangle" w="lg" len="lg"/>
               </a:ln>
             </p:spPr>
             <p:style>
@@ -27512,13 +27373,7 @@
           </p:cxnSp>
           <p:grpSp>
             <p:nvGrpSpPr>
-              <p:cNvPr id="230" name="组合 229">
-                <a:extLst>
-                  <a:ext uri="{FF2B5EF4-FFF2-40B4-BE49-F238E27FC236}">
-                    <a16:creationId xmlns:a16="http://schemas.microsoft.com/office/drawing/2014/main" id="{47EED522-BF0C-D4AF-8DE5-37D0089CED45}"/>
-                  </a:ext>
-                </a:extLst>
-              </p:cNvPr>
+              <p:cNvPr id="230" name="组合 229"/>
               <p:cNvGrpSpPr/>
               <p:nvPr/>
             </p:nvGrpSpPr>
@@ -27532,13 +27387,7 @@
             </p:grpSpPr>
             <p:sp>
               <p:nvSpPr>
-                <p:cNvPr id="82" name="圆角矩形 781">
-                  <a:extLst>
-                    <a:ext uri="{FF2B5EF4-FFF2-40B4-BE49-F238E27FC236}">
-                      <a16:creationId xmlns:a16="http://schemas.microsoft.com/office/drawing/2014/main" id="{2A4894BD-21A8-187B-9BF8-6FC490C1E1C9}"/>
-                    </a:ext>
-                  </a:extLst>
-                </p:cNvPr>
+                <p:cNvPr id="82" name="圆角矩形 781"/>
                 <p:cNvSpPr/>
                 <p:nvPr/>
               </p:nvSpPr>
@@ -27602,9 +27451,9 @@
                       <a:solidFill>
                         <a:schemeClr val="tx1"/>
                       </a:solidFill>
-                      <a:latin typeface="Times New Roman" panose="02020603050405020304" pitchFamily="18" charset="0"/>
+                      <a:latin typeface="Times New Roman" panose="02020603050405020304" charset="0"/>
                       <a:ea typeface="黑体" panose="02010609060101010101" pitchFamily="49" charset="-122"/>
-                      <a:cs typeface="Times New Roman" panose="02020603050405020304" pitchFamily="18" charset="0"/>
+                      <a:cs typeface="Times New Roman" panose="02020603050405020304" charset="0"/>
                     </a:rPr>
                     <a:t>更新网络</a:t>
                   </a:r>
@@ -27612,22 +27461,16 @@
                     <a:solidFill>
                       <a:schemeClr val="tx1"/>
                     </a:solidFill>
-                    <a:latin typeface="Times New Roman" panose="02020603050405020304" pitchFamily="18" charset="0"/>
+                    <a:latin typeface="Times New Roman" panose="02020603050405020304" charset="0"/>
                     <a:ea typeface="黑体" panose="02010609060101010101" pitchFamily="49" charset="-122"/>
-                    <a:cs typeface="Times New Roman" panose="02020603050405020304" pitchFamily="18" charset="0"/>
+                    <a:cs typeface="Times New Roman" panose="02020603050405020304" charset="0"/>
                   </a:endParaRPr>
                 </a:p>
               </p:txBody>
             </p:sp>
             <p:grpSp>
               <p:nvGrpSpPr>
-                <p:cNvPr id="83" name="组合 82">
-                  <a:extLst>
-                    <a:ext uri="{FF2B5EF4-FFF2-40B4-BE49-F238E27FC236}">
-                      <a16:creationId xmlns:a16="http://schemas.microsoft.com/office/drawing/2014/main" id="{999EDF09-4B28-662C-1EB5-F1EC4D1B1BF7}"/>
-                    </a:ext>
-                  </a:extLst>
-                </p:cNvPr>
+                <p:cNvPr id="83" name="组合 82"/>
                 <p:cNvGrpSpPr/>
                 <p:nvPr/>
               </p:nvGrpSpPr>
@@ -27641,13 +27484,7 @@
               </p:grpSpPr>
               <p:pic>
                 <p:nvPicPr>
-                  <p:cNvPr id="86" name="图片 85">
-                    <a:extLst>
-                      <a:ext uri="{FF2B5EF4-FFF2-40B4-BE49-F238E27FC236}">
-                        <a16:creationId xmlns:a16="http://schemas.microsoft.com/office/drawing/2014/main" id="{EBC23ABB-9858-8E19-69D1-E1DE8580A9B1}"/>
-                      </a:ext>
-                    </a:extLst>
-                  </p:cNvPr>
+                  <p:cNvPr id="86" name="图片 85"/>
                   <p:cNvPicPr>
                     <a:picLocks noChangeAspect="1"/>
                   </p:cNvPicPr>
@@ -27662,7 +27499,9 @@
                     </a:extLst>
                   </a:blip>
                   <a:srcRect l="12478" t="12113" r="9630" b="12113"/>
-                  <a:stretch/>
+                  <a:stretch>
+                    <a:fillRect/>
+                  </a:stretch>
                 </p:blipFill>
                 <p:spPr>
                   <a:xfrm>
@@ -27676,13 +27515,7 @@
               </p:pic>
               <p:sp>
                 <p:nvSpPr>
-                  <p:cNvPr id="111" name="文本框 110">
-                    <a:extLst>
-                      <a:ext uri="{FF2B5EF4-FFF2-40B4-BE49-F238E27FC236}">
-                        <a16:creationId xmlns:a16="http://schemas.microsoft.com/office/drawing/2014/main" id="{72331E11-491F-0DA5-696D-FC97A5B3D2AE}"/>
-                      </a:ext>
-                    </a:extLst>
-                  </p:cNvPr>
+                  <p:cNvPr id="111" name="文本框 110"/>
                   <p:cNvSpPr txBox="1"/>
                   <p:nvPr/>
                 </p:nvSpPr>
@@ -27764,15 +27597,8 @@
             </p:grpSp>
             <p:cxnSp>
               <p:nvCxnSpPr>
-                <p:cNvPr id="212" name="直接箭头连接符 211">
-                  <a:extLst>
-                    <a:ext uri="{FF2B5EF4-FFF2-40B4-BE49-F238E27FC236}">
-                      <a16:creationId xmlns:a16="http://schemas.microsoft.com/office/drawing/2014/main" id="{79DFD587-D183-EAEC-6F08-54256FB518DD}"/>
-                    </a:ext>
-                  </a:extLst>
-                </p:cNvPr>
+                <p:cNvPr id="212" name="直接箭头连接符 211"/>
                 <p:cNvCxnSpPr>
-                  <a:cxnSpLocks/>
                   <a:stCxn id="86" idx="3"/>
                   <a:endCxn id="82" idx="1"/>
                 </p:cNvCxnSpPr>
@@ -27794,7 +27620,7 @@
                   </a:solidFill>
                   <a:prstDash val="sysDash"/>
                   <a:round/>
-                  <a:tailEnd type="triangle"/>
+                  <a:tailEnd type="triangle" w="lg" len="lg"/>
                 </a:ln>
               </p:spPr>
               <p:style>
@@ -27815,15 +27641,8 @@
           </p:grpSp>
           <p:cxnSp>
             <p:nvCxnSpPr>
-              <p:cNvPr id="219" name="连接符: 曲线 218">
-                <a:extLst>
-                  <a:ext uri="{FF2B5EF4-FFF2-40B4-BE49-F238E27FC236}">
-                    <a16:creationId xmlns:a16="http://schemas.microsoft.com/office/drawing/2014/main" id="{245D06E2-8AC2-6285-C6F0-0EC0564CC549}"/>
-                  </a:ext>
-                </a:extLst>
-              </p:cNvPr>
+              <p:cNvPr id="219" name="连接符: 曲线 218"/>
               <p:cNvCxnSpPr>
-                <a:cxnSpLocks/>
                 <a:stCxn id="82" idx="0"/>
                 <a:endCxn id="63" idx="2"/>
               </p:cNvCxnSpPr>
@@ -27843,7 +27662,7 @@
                 <a:solidFill>
                   <a:schemeClr val="tx1"/>
                 </a:solidFill>
-                <a:tailEnd type="triangle"/>
+                <a:tailEnd type="triangle" w="lg" len="lg"/>
               </a:ln>
             </p:spPr>
             <p:style>
@@ -27863,16 +27682,8 @@
           </p:cxnSp>
           <p:cxnSp>
             <p:nvCxnSpPr>
-              <p:cNvPr id="238" name="直接箭头连接符 237">
-                <a:extLst>
-                  <a:ext uri="{FF2B5EF4-FFF2-40B4-BE49-F238E27FC236}">
-                    <a16:creationId xmlns:a16="http://schemas.microsoft.com/office/drawing/2014/main" id="{09450071-A544-57D2-199E-54B5608A3BBE}"/>
-                  </a:ext>
-                </a:extLst>
-              </p:cNvPr>
-              <p:cNvCxnSpPr>
-                <a:cxnSpLocks/>
-              </p:cNvCxnSpPr>
+              <p:cNvPr id="238" name="直接箭头连接符 237"/>
+              <p:cNvCxnSpPr/>
               <p:nvPr/>
             </p:nvCxnSpPr>
             <p:spPr>
@@ -27888,7 +27699,7 @@
                   <a:schemeClr val="tx1"/>
                 </a:solidFill>
                 <a:round/>
-                <a:tailEnd type="triangle"/>
+                <a:tailEnd type="triangle" w="lg" len="lg"/>
               </a:ln>
             </p:spPr>
             <p:style>
@@ -27907,6 +27718,142 @@
             </p:style>
           </p:cxnSp>
         </p:grpSp>
+        <p:sp>
+          <p:nvSpPr>
+            <p:cNvPr id="2" name="文本框 1"/>
+            <p:cNvSpPr txBox="1"/>
+            <p:nvPr/>
+          </p:nvSpPr>
+          <p:spPr>
+            <a:xfrm>
+              <a:off x="14915" y="17544"/>
+              <a:ext cx="6106" cy="1016"/>
+            </a:xfrm>
+            <a:prstGeom prst="rect">
+              <a:avLst/>
+            </a:prstGeom>
+            <a:noFill/>
+          </p:spPr>
+          <p:txBody>
+            <a:bodyPr wrap="square" rtlCol="0">
+              <a:spAutoFit/>
+            </a:bodyPr>
+            <a:lstStyle/>
+            <a:p>
+              <a:pPr algn="ctr"/>
+              <a:r>
+                <a:rPr lang="en-US" altLang="zh-CN" sz="3600" b="1" dirty="0">
+                  <a:latin typeface="Times New Roman" panose="02020603050405020304" charset="0"/>
+                  <a:ea typeface="黑体" panose="02010609060101010101" pitchFamily="49" charset="-122"/>
+                  <a:cs typeface="Times New Roman" panose="02020603050405020304" charset="0"/>
+                </a:rPr>
+                <a:t>STFT</a:t>
+              </a:r>
+            </a:p>
+          </p:txBody>
+        </p:sp>
+        <p:sp>
+          <p:nvSpPr>
+            <p:cNvPr id="3" name="文本框 2"/>
+            <p:cNvSpPr txBox="1"/>
+            <p:nvPr/>
+          </p:nvSpPr>
+          <p:spPr>
+            <a:xfrm>
+              <a:off x="29375" y="17545"/>
+              <a:ext cx="6106" cy="1016"/>
+            </a:xfrm>
+            <a:prstGeom prst="rect">
+              <a:avLst/>
+            </a:prstGeom>
+            <a:noFill/>
+          </p:spPr>
+          <p:txBody>
+            <a:bodyPr wrap="square" rtlCol="0">
+              <a:spAutoFit/>
+            </a:bodyPr>
+            <a:lstStyle/>
+            <a:p>
+              <a:pPr algn="ctr"/>
+              <a:r>
+                <a:rPr lang="en-US" altLang="zh-CN" sz="3600" b="1" dirty="0">
+                  <a:latin typeface="Times New Roman" panose="02020603050405020304" charset="0"/>
+                  <a:ea typeface="黑体" panose="02010609060101010101" pitchFamily="49" charset="-122"/>
+                  <a:cs typeface="Times New Roman" panose="02020603050405020304" charset="0"/>
+                </a:rPr>
+                <a:t>ISTFT</a:t>
+              </a:r>
+            </a:p>
+          </p:txBody>
+        </p:sp>
+        <p:sp>
+          <p:nvSpPr>
+            <p:cNvPr id="4" name="文本框 3"/>
+            <p:cNvSpPr txBox="1"/>
+            <p:nvPr/>
+          </p:nvSpPr>
+          <p:spPr>
+            <a:xfrm>
+              <a:off x="20887" y="24865"/>
+              <a:ext cx="6106" cy="822"/>
+            </a:xfrm>
+            <a:prstGeom prst="rect">
+              <a:avLst/>
+            </a:prstGeom>
+            <a:noFill/>
+          </p:spPr>
+          <p:txBody>
+            <a:bodyPr wrap="square" rtlCol="0">
+              <a:spAutoFit/>
+            </a:bodyPr>
+            <a:lstStyle/>
+            <a:p>
+              <a:pPr algn="ctr"/>
+              <a:r>
+                <a:rPr lang="en-US" altLang="zh-CN" sz="2800" b="1" dirty="0">
+                  <a:latin typeface="Times New Roman" panose="02020603050405020304" charset="0"/>
+                  <a:ea typeface="黑体" panose="02010609060101010101" pitchFamily="49" charset="-122"/>
+                  <a:cs typeface="Times New Roman" panose="02020603050405020304" charset="0"/>
+                </a:rPr>
+                <a:t>STFT</a:t>
+              </a:r>
+            </a:p>
+          </p:txBody>
+        </p:sp>
+        <p:sp>
+          <p:nvSpPr>
+            <p:cNvPr id="5" name="文本框 4"/>
+            <p:cNvSpPr txBox="1"/>
+            <p:nvPr/>
+          </p:nvSpPr>
+          <p:spPr>
+            <a:xfrm>
+              <a:off x="31358" y="24865"/>
+              <a:ext cx="6106" cy="822"/>
+            </a:xfrm>
+            <a:prstGeom prst="rect">
+              <a:avLst/>
+            </a:prstGeom>
+            <a:noFill/>
+          </p:spPr>
+          <p:txBody>
+            <a:bodyPr wrap="square" rtlCol="0">
+              <a:spAutoFit/>
+            </a:bodyPr>
+            <a:lstStyle/>
+            <a:p>
+              <a:pPr algn="ctr"/>
+              <a:r>
+                <a:rPr lang="en-US" altLang="zh-CN" sz="2800" b="1" dirty="0">
+                  <a:latin typeface="Times New Roman" panose="02020603050405020304" charset="0"/>
+                  <a:ea typeface="黑体" panose="02010609060101010101" pitchFamily="49" charset="-122"/>
+                  <a:cs typeface="Times New Roman" panose="02020603050405020304" charset="0"/>
+                </a:rPr>
+                <a:t>ISTFT</a:t>
+              </a:r>
+            </a:p>
+          </p:txBody>
+        </p:sp>
       </p:grpSp>
     </p:spTree>
   </p:cSld>

--- a/图/第四章/paper/net/新建 PPTX 演示文稿.pptx
+++ b/图/第四章/paper/net/新建 PPTX 演示文稿.pptx
@@ -26587,7 +26587,7 @@
                       <a:ea typeface="黑体" panose="02010609060101010101" pitchFamily="49" charset="-122"/>
                       <a:cs typeface="Times New Roman" panose="02020603050405020304" charset="0"/>
                     </a:rPr>
-                    <a:t>DMFNet</a:t>
+                    <a:t>AMFNet</a:t>
                   </a:r>
                   <a:r>
                     <a:rPr lang="zh-CN" altLang="zh-CN" sz="4800" dirty="0">
@@ -27592,7 +27592,7 @@
                         <a:ea typeface="黑体" panose="02010609060101010101" pitchFamily="49" charset="-122"/>
                         <a:cs typeface="Times New Roman" panose="02020603050405020304" charset="0"/>
                       </a:rPr>
-                      <a:t>DMFNet</a:t>
+                      <a:t>AMFNet</a:t>
                     </a:r>
                     <a:r>
                       <a:rPr lang="zh-CN" altLang="zh-CN" sz="4800" dirty="0"/>
